--- a/reference/images/material.pptx
+++ b/reference/images/material.pptx
@@ -14,6 +14,12 @@
     <p:sldId id="262" r:id="rId8"/>
     <p:sldId id="263" r:id="rId9"/>
     <p:sldId id="264" r:id="rId10"/>
+    <p:sldId id="265" r:id="rId11"/>
+    <p:sldId id="266" r:id="rId12"/>
+    <p:sldId id="267" r:id="rId13"/>
+    <p:sldId id="268" r:id="rId14"/>
+    <p:sldId id="269" r:id="rId15"/>
+    <p:sldId id="270" r:id="rId16"/>
   </p:sldIdLst>
   <p:sldSz cx="12192000" cy="6858000"/>
   <p:notesSz cx="6858000" cy="9144000"/>
@@ -112,6 +118,11 @@
       </a:defRPr>
     </a:lvl9pPr>
   </p:defaultTextStyle>
+  <p:extLst>
+    <p:ext uri="{EFAFB233-063F-42B5-8137-9DF3F51BA10A}">
+      <p15:sldGuideLst xmlns:p15="http://schemas.microsoft.com/office/powerpoint/2012/main"/>
+    </p:ext>
+  </p:extLst>
 </p:presentation>
 </file>
 
@@ -246,7 +257,7 @@
           <a:p>
             <a:fld id="{26EBD067-5A24-4566-95C1-EB910B96DB21}" type="datetimeFigureOut">
               <a:rPr kumimoji="1" lang="ja-JP" altLang="en-US" smtClean="0"/>
-              <a:t>2016/10/28</a:t>
+              <a:t>2016/10/30</a:t>
             </a:fld>
             <a:endParaRPr kumimoji="1" lang="ja-JP" altLang="en-US"/>
           </a:p>
@@ -448,7 +459,7 @@
           <a:p>
             <a:fld id="{26EBD067-5A24-4566-95C1-EB910B96DB21}" type="datetimeFigureOut">
               <a:rPr kumimoji="1" lang="ja-JP" altLang="en-US" smtClean="0"/>
-              <a:t>2016/10/28</a:t>
+              <a:t>2016/10/30</a:t>
             </a:fld>
             <a:endParaRPr kumimoji="1" lang="ja-JP" altLang="en-US"/>
           </a:p>
@@ -660,7 +671,7 @@
           <a:p>
             <a:fld id="{26EBD067-5A24-4566-95C1-EB910B96DB21}" type="datetimeFigureOut">
               <a:rPr kumimoji="1" lang="ja-JP" altLang="en-US" smtClean="0"/>
-              <a:t>2016/10/28</a:t>
+              <a:t>2016/10/30</a:t>
             </a:fld>
             <a:endParaRPr kumimoji="1" lang="ja-JP" altLang="en-US"/>
           </a:p>
@@ -862,7 +873,7 @@
           <a:p>
             <a:fld id="{26EBD067-5A24-4566-95C1-EB910B96DB21}" type="datetimeFigureOut">
               <a:rPr kumimoji="1" lang="ja-JP" altLang="en-US" smtClean="0"/>
-              <a:t>2016/10/28</a:t>
+              <a:t>2016/10/30</a:t>
             </a:fld>
             <a:endParaRPr kumimoji="1" lang="ja-JP" altLang="en-US"/>
           </a:p>
@@ -1108,7 +1119,7 @@
           <a:p>
             <a:fld id="{26EBD067-5A24-4566-95C1-EB910B96DB21}" type="datetimeFigureOut">
               <a:rPr kumimoji="1" lang="ja-JP" altLang="en-US" smtClean="0"/>
-              <a:t>2016/10/28</a:t>
+              <a:t>2016/10/30</a:t>
             </a:fld>
             <a:endParaRPr kumimoji="1" lang="ja-JP" altLang="en-US"/>
           </a:p>
@@ -1404,7 +1415,7 @@
           <a:p>
             <a:fld id="{26EBD067-5A24-4566-95C1-EB910B96DB21}" type="datetimeFigureOut">
               <a:rPr kumimoji="1" lang="ja-JP" altLang="en-US" smtClean="0"/>
-              <a:t>2016/10/28</a:t>
+              <a:t>2016/10/30</a:t>
             </a:fld>
             <a:endParaRPr kumimoji="1" lang="ja-JP" altLang="en-US"/>
           </a:p>
@@ -1835,7 +1846,7 @@
           <a:p>
             <a:fld id="{26EBD067-5A24-4566-95C1-EB910B96DB21}" type="datetimeFigureOut">
               <a:rPr kumimoji="1" lang="ja-JP" altLang="en-US" smtClean="0"/>
-              <a:t>2016/10/28</a:t>
+              <a:t>2016/10/30</a:t>
             </a:fld>
             <a:endParaRPr kumimoji="1" lang="ja-JP" altLang="en-US"/>
           </a:p>
@@ -1953,7 +1964,7 @@
           <a:p>
             <a:fld id="{26EBD067-5A24-4566-95C1-EB910B96DB21}" type="datetimeFigureOut">
               <a:rPr kumimoji="1" lang="ja-JP" altLang="en-US" smtClean="0"/>
-              <a:t>2016/10/28</a:t>
+              <a:t>2016/10/30</a:t>
             </a:fld>
             <a:endParaRPr kumimoji="1" lang="ja-JP" altLang="en-US"/>
           </a:p>
@@ -2048,7 +2059,7 @@
           <a:p>
             <a:fld id="{26EBD067-5A24-4566-95C1-EB910B96DB21}" type="datetimeFigureOut">
               <a:rPr kumimoji="1" lang="ja-JP" altLang="en-US" smtClean="0"/>
-              <a:t>2016/10/28</a:t>
+              <a:t>2016/10/30</a:t>
             </a:fld>
             <a:endParaRPr kumimoji="1" lang="ja-JP" altLang="en-US"/>
           </a:p>
@@ -2357,7 +2368,7 @@
           <a:p>
             <a:fld id="{26EBD067-5A24-4566-95C1-EB910B96DB21}" type="datetimeFigureOut">
               <a:rPr kumimoji="1" lang="ja-JP" altLang="en-US" smtClean="0"/>
-              <a:t>2016/10/28</a:t>
+              <a:t>2016/10/30</a:t>
             </a:fld>
             <a:endParaRPr kumimoji="1" lang="ja-JP" altLang="en-US"/>
           </a:p>
@@ -2610,7 +2621,7 @@
           <a:p>
             <a:fld id="{26EBD067-5A24-4566-95C1-EB910B96DB21}" type="datetimeFigureOut">
               <a:rPr kumimoji="1" lang="ja-JP" altLang="en-US" smtClean="0"/>
-              <a:t>2016/10/28</a:t>
+              <a:t>2016/10/30</a:t>
             </a:fld>
             <a:endParaRPr kumimoji="1" lang="ja-JP" altLang="en-US"/>
           </a:p>
@@ -2855,7 +2866,7 @@
           <a:p>
             <a:fld id="{26EBD067-5A24-4566-95C1-EB910B96DB21}" type="datetimeFigureOut">
               <a:rPr kumimoji="1" lang="ja-JP" altLang="en-US" smtClean="0"/>
-              <a:t>2016/10/28</a:t>
+              <a:t>2016/10/30</a:t>
             </a:fld>
             <a:endParaRPr kumimoji="1" lang="ja-JP" altLang="en-US"/>
           </a:p>
@@ -3343,6 +3354,652 @@
 </p:sld>
 </file>
 
+<file path=ppt/slides/slide10.xml><?xml version="1.0" encoding="utf-8"?>
+<p:sld xmlns:a="http://schemas.openxmlformats.org/drawingml/2006/main" xmlns:r="http://schemas.openxmlformats.org/officeDocument/2006/relationships" xmlns:p="http://schemas.openxmlformats.org/presentationml/2006/main">
+  <p:cSld>
+    <p:spTree>
+      <p:nvGrpSpPr>
+        <p:cNvPr id="1" name=""/>
+        <p:cNvGrpSpPr/>
+        <p:nvPr/>
+      </p:nvGrpSpPr>
+      <p:grpSpPr>
+        <a:xfrm>
+          <a:off x="0" y="0"/>
+          <a:ext cx="0" cy="0"/>
+          <a:chOff x="0" y="0"/>
+          <a:chExt cx="0" cy="0"/>
+        </a:xfrm>
+      </p:grpSpPr>
+      <p:pic>
+        <p:nvPicPr>
+          <p:cNvPr id="5" name="図 4"/>
+          <p:cNvPicPr>
+            <a:picLocks noChangeAspect="1"/>
+          </p:cNvPicPr>
+          <p:nvPr/>
+        </p:nvPicPr>
+        <p:blipFill>
+          <a:blip r:embed="rId2"/>
+          <a:stretch>
+            <a:fillRect/>
+          </a:stretch>
+        </p:blipFill>
+        <p:spPr>
+          <a:xfrm>
+            <a:off x="19050" y="2158916"/>
+            <a:ext cx="12172950" cy="8315325"/>
+          </a:xfrm>
+          <a:prstGeom prst="rect">
+            <a:avLst/>
+          </a:prstGeom>
+        </p:spPr>
+      </p:pic>
+      <p:sp>
+        <p:nvSpPr>
+          <p:cNvPr id="6" name="角丸四角形 5"/>
+          <p:cNvSpPr/>
+          <p:nvPr/>
+        </p:nvSpPr>
+        <p:spPr>
+          <a:xfrm>
+            <a:off x="591629" y="6858001"/>
+            <a:ext cx="1357488" cy="637674"/>
+          </a:xfrm>
+          <a:prstGeom prst="roundRect">
+            <a:avLst/>
+          </a:prstGeom>
+          <a:noFill/>
+          <a:ln w="76200" cmpd="sng">
+            <a:solidFill>
+              <a:srgbClr val="FF0000"/>
+            </a:solidFill>
+          </a:ln>
+        </p:spPr>
+        <p:style>
+          <a:lnRef idx="2">
+            <a:schemeClr val="accent1">
+              <a:shade val="50000"/>
+            </a:schemeClr>
+          </a:lnRef>
+          <a:fillRef idx="1">
+            <a:schemeClr val="accent1"/>
+          </a:fillRef>
+          <a:effectRef idx="0">
+            <a:schemeClr val="accent1"/>
+          </a:effectRef>
+          <a:fontRef idx="minor">
+            <a:schemeClr val="lt1"/>
+          </a:fontRef>
+        </p:style>
+        <p:txBody>
+          <a:bodyPr rtlCol="0" anchor="ctr"/>
+          <a:lstStyle/>
+          <a:p>
+            <a:pPr algn="ctr"/>
+            <a:endParaRPr kumimoji="1" lang="ja-JP" altLang="en-US"/>
+          </a:p>
+        </p:txBody>
+      </p:sp>
+    </p:spTree>
+    <p:extLst>
+      <p:ext uri="{BB962C8B-B14F-4D97-AF65-F5344CB8AC3E}">
+        <p14:creationId xmlns:p14="http://schemas.microsoft.com/office/powerpoint/2010/main" val="626149876"/>
+      </p:ext>
+    </p:extLst>
+  </p:cSld>
+  <p:clrMapOvr>
+    <a:masterClrMapping/>
+  </p:clrMapOvr>
+</p:sld>
+</file>
+
+<file path=ppt/slides/slide11.xml><?xml version="1.0" encoding="utf-8"?>
+<p:sld xmlns:a="http://schemas.openxmlformats.org/drawingml/2006/main" xmlns:r="http://schemas.openxmlformats.org/officeDocument/2006/relationships" xmlns:p="http://schemas.openxmlformats.org/presentationml/2006/main">
+  <p:cSld>
+    <p:spTree>
+      <p:nvGrpSpPr>
+        <p:cNvPr id="1" name=""/>
+        <p:cNvGrpSpPr/>
+        <p:nvPr/>
+      </p:nvGrpSpPr>
+      <p:grpSpPr>
+        <a:xfrm>
+          <a:off x="0" y="0"/>
+          <a:ext cx="0" cy="0"/>
+          <a:chOff x="0" y="0"/>
+          <a:chExt cx="0" cy="0"/>
+        </a:xfrm>
+      </p:grpSpPr>
+      <p:pic>
+        <p:nvPicPr>
+          <p:cNvPr id="4" name="図 3"/>
+          <p:cNvPicPr>
+            <a:picLocks noChangeAspect="1"/>
+          </p:cNvPicPr>
+          <p:nvPr/>
+        </p:nvPicPr>
+        <p:blipFill>
+          <a:blip r:embed="rId2"/>
+          <a:stretch>
+            <a:fillRect/>
+          </a:stretch>
+        </p:blipFill>
+        <p:spPr>
+          <a:xfrm>
+            <a:off x="9525" y="-728663"/>
+            <a:ext cx="12172950" cy="8315325"/>
+          </a:xfrm>
+          <a:prstGeom prst="rect">
+            <a:avLst/>
+          </a:prstGeom>
+        </p:spPr>
+      </p:pic>
+      <p:sp>
+        <p:nvSpPr>
+          <p:cNvPr id="5" name="角丸四角形 4"/>
+          <p:cNvSpPr/>
+          <p:nvPr/>
+        </p:nvSpPr>
+        <p:spPr>
+          <a:xfrm>
+            <a:off x="1662438" y="2390485"/>
+            <a:ext cx="4991025" cy="629442"/>
+          </a:xfrm>
+          <a:prstGeom prst="roundRect">
+            <a:avLst/>
+          </a:prstGeom>
+          <a:noFill/>
+          <a:ln w="76200" cmpd="sng">
+            <a:solidFill>
+              <a:srgbClr val="FF0000"/>
+            </a:solidFill>
+          </a:ln>
+        </p:spPr>
+        <p:style>
+          <a:lnRef idx="2">
+            <a:schemeClr val="accent1">
+              <a:shade val="50000"/>
+            </a:schemeClr>
+          </a:lnRef>
+          <a:fillRef idx="1">
+            <a:schemeClr val="accent1"/>
+          </a:fillRef>
+          <a:effectRef idx="0">
+            <a:schemeClr val="accent1"/>
+          </a:effectRef>
+          <a:fontRef idx="minor">
+            <a:schemeClr val="lt1"/>
+          </a:fontRef>
+        </p:style>
+        <p:txBody>
+          <a:bodyPr rtlCol="0" anchor="ctr"/>
+          <a:lstStyle/>
+          <a:p>
+            <a:pPr algn="ctr"/>
+            <a:endParaRPr kumimoji="1" lang="ja-JP" altLang="en-US"/>
+          </a:p>
+        </p:txBody>
+      </p:sp>
+    </p:spTree>
+    <p:extLst>
+      <p:ext uri="{BB962C8B-B14F-4D97-AF65-F5344CB8AC3E}">
+        <p14:creationId xmlns:p14="http://schemas.microsoft.com/office/powerpoint/2010/main" val="3031091569"/>
+      </p:ext>
+    </p:extLst>
+  </p:cSld>
+  <p:clrMapOvr>
+    <a:masterClrMapping/>
+  </p:clrMapOvr>
+</p:sld>
+</file>
+
+<file path=ppt/slides/slide12.xml><?xml version="1.0" encoding="utf-8"?>
+<p:sld xmlns:a="http://schemas.openxmlformats.org/drawingml/2006/main" xmlns:r="http://schemas.openxmlformats.org/officeDocument/2006/relationships" xmlns:p="http://schemas.openxmlformats.org/presentationml/2006/main">
+  <p:cSld>
+    <p:spTree>
+      <p:nvGrpSpPr>
+        <p:cNvPr id="1" name=""/>
+        <p:cNvGrpSpPr/>
+        <p:nvPr/>
+      </p:nvGrpSpPr>
+      <p:grpSpPr>
+        <a:xfrm>
+          <a:off x="0" y="0"/>
+          <a:ext cx="0" cy="0"/>
+          <a:chOff x="0" y="0"/>
+          <a:chExt cx="0" cy="0"/>
+        </a:xfrm>
+      </p:grpSpPr>
+      <p:pic>
+        <p:nvPicPr>
+          <p:cNvPr id="4" name="図 3"/>
+          <p:cNvPicPr>
+            <a:picLocks noChangeAspect="1"/>
+          </p:cNvPicPr>
+          <p:nvPr/>
+        </p:nvPicPr>
+        <p:blipFill>
+          <a:blip r:embed="rId2"/>
+          <a:stretch>
+            <a:fillRect/>
+          </a:stretch>
+        </p:blipFill>
+        <p:spPr>
+          <a:xfrm>
+            <a:off x="9525" y="-728663"/>
+            <a:ext cx="12172950" cy="8315325"/>
+          </a:xfrm>
+          <a:prstGeom prst="rect">
+            <a:avLst/>
+          </a:prstGeom>
+        </p:spPr>
+      </p:pic>
+      <p:sp>
+        <p:nvSpPr>
+          <p:cNvPr id="5" name="角丸四角形 4"/>
+          <p:cNvSpPr/>
+          <p:nvPr/>
+        </p:nvSpPr>
+        <p:spPr>
+          <a:xfrm>
+            <a:off x="423186" y="3428999"/>
+            <a:ext cx="683719" cy="1732548"/>
+          </a:xfrm>
+          <a:prstGeom prst="roundRect">
+            <a:avLst/>
+          </a:prstGeom>
+          <a:noFill/>
+          <a:ln w="76200" cmpd="sng">
+            <a:solidFill>
+              <a:srgbClr val="FF0000"/>
+            </a:solidFill>
+          </a:ln>
+        </p:spPr>
+        <p:style>
+          <a:lnRef idx="2">
+            <a:schemeClr val="accent1">
+              <a:shade val="50000"/>
+            </a:schemeClr>
+          </a:lnRef>
+          <a:fillRef idx="1">
+            <a:schemeClr val="accent1"/>
+          </a:fillRef>
+          <a:effectRef idx="0">
+            <a:schemeClr val="accent1"/>
+          </a:effectRef>
+          <a:fontRef idx="minor">
+            <a:schemeClr val="lt1"/>
+          </a:fontRef>
+        </p:style>
+        <p:txBody>
+          <a:bodyPr rtlCol="0" anchor="ctr"/>
+          <a:lstStyle/>
+          <a:p>
+            <a:pPr algn="ctr"/>
+            <a:endParaRPr kumimoji="1" lang="ja-JP" altLang="en-US"/>
+          </a:p>
+        </p:txBody>
+      </p:sp>
+      <p:sp>
+        <p:nvSpPr>
+          <p:cNvPr id="6" name="角丸四角形 5"/>
+          <p:cNvSpPr/>
+          <p:nvPr/>
+        </p:nvSpPr>
+        <p:spPr>
+          <a:xfrm>
+            <a:off x="483344" y="5277851"/>
+            <a:ext cx="1501867" cy="617623"/>
+          </a:xfrm>
+          <a:prstGeom prst="roundRect">
+            <a:avLst/>
+          </a:prstGeom>
+          <a:noFill/>
+          <a:ln w="76200" cmpd="sng">
+            <a:solidFill>
+              <a:srgbClr val="FF0000"/>
+            </a:solidFill>
+          </a:ln>
+        </p:spPr>
+        <p:style>
+          <a:lnRef idx="2">
+            <a:schemeClr val="accent1">
+              <a:shade val="50000"/>
+            </a:schemeClr>
+          </a:lnRef>
+          <a:fillRef idx="1">
+            <a:schemeClr val="accent1"/>
+          </a:fillRef>
+          <a:effectRef idx="0">
+            <a:schemeClr val="accent1"/>
+          </a:effectRef>
+          <a:fontRef idx="minor">
+            <a:schemeClr val="lt1"/>
+          </a:fontRef>
+        </p:style>
+        <p:txBody>
+          <a:bodyPr rtlCol="0" anchor="ctr"/>
+          <a:lstStyle/>
+          <a:p>
+            <a:pPr algn="ctr"/>
+            <a:endParaRPr kumimoji="1" lang="ja-JP" altLang="en-US"/>
+          </a:p>
+        </p:txBody>
+      </p:sp>
+    </p:spTree>
+    <p:extLst>
+      <p:ext uri="{BB962C8B-B14F-4D97-AF65-F5344CB8AC3E}">
+        <p14:creationId xmlns:p14="http://schemas.microsoft.com/office/powerpoint/2010/main" val="4018398817"/>
+      </p:ext>
+    </p:extLst>
+  </p:cSld>
+  <p:clrMapOvr>
+    <a:masterClrMapping/>
+  </p:clrMapOvr>
+</p:sld>
+</file>
+
+<file path=ppt/slides/slide13.xml><?xml version="1.0" encoding="utf-8"?>
+<p:sld xmlns:a="http://schemas.openxmlformats.org/drawingml/2006/main" xmlns:r="http://schemas.openxmlformats.org/officeDocument/2006/relationships" xmlns:p="http://schemas.openxmlformats.org/presentationml/2006/main">
+  <p:cSld>
+    <p:spTree>
+      <p:nvGrpSpPr>
+        <p:cNvPr id="1" name=""/>
+        <p:cNvGrpSpPr/>
+        <p:nvPr/>
+      </p:nvGrpSpPr>
+      <p:grpSpPr>
+        <a:xfrm>
+          <a:off x="0" y="0"/>
+          <a:ext cx="0" cy="0"/>
+          <a:chOff x="0" y="0"/>
+          <a:chExt cx="0" cy="0"/>
+        </a:xfrm>
+      </p:grpSpPr>
+      <p:pic>
+        <p:nvPicPr>
+          <p:cNvPr id="4" name="図 3"/>
+          <p:cNvPicPr>
+            <a:picLocks noChangeAspect="1"/>
+          </p:cNvPicPr>
+          <p:nvPr/>
+        </p:nvPicPr>
+        <p:blipFill>
+          <a:blip r:embed="rId2"/>
+          <a:stretch>
+            <a:fillRect/>
+          </a:stretch>
+        </p:blipFill>
+        <p:spPr>
+          <a:xfrm>
+            <a:off x="9525" y="-728663"/>
+            <a:ext cx="12172950" cy="8315325"/>
+          </a:xfrm>
+          <a:prstGeom prst="rect">
+            <a:avLst/>
+          </a:prstGeom>
+        </p:spPr>
+      </p:pic>
+      <p:sp>
+        <p:nvSpPr>
+          <p:cNvPr id="7" name="角丸四角形 6"/>
+          <p:cNvSpPr/>
+          <p:nvPr/>
+        </p:nvSpPr>
+        <p:spPr>
+          <a:xfrm>
+            <a:off x="1662438" y="2390485"/>
+            <a:ext cx="4991025" cy="629442"/>
+          </a:xfrm>
+          <a:prstGeom prst="roundRect">
+            <a:avLst/>
+          </a:prstGeom>
+          <a:noFill/>
+          <a:ln w="76200" cmpd="sng">
+            <a:solidFill>
+              <a:srgbClr val="FF0000"/>
+            </a:solidFill>
+          </a:ln>
+        </p:spPr>
+        <p:style>
+          <a:lnRef idx="2">
+            <a:schemeClr val="accent1">
+              <a:shade val="50000"/>
+            </a:schemeClr>
+          </a:lnRef>
+          <a:fillRef idx="1">
+            <a:schemeClr val="accent1"/>
+          </a:fillRef>
+          <a:effectRef idx="0">
+            <a:schemeClr val="accent1"/>
+          </a:effectRef>
+          <a:fontRef idx="minor">
+            <a:schemeClr val="lt1"/>
+          </a:fontRef>
+        </p:style>
+        <p:txBody>
+          <a:bodyPr rtlCol="0" anchor="ctr"/>
+          <a:lstStyle/>
+          <a:p>
+            <a:pPr algn="ctr"/>
+            <a:endParaRPr kumimoji="1" lang="ja-JP" altLang="en-US"/>
+          </a:p>
+        </p:txBody>
+      </p:sp>
+    </p:spTree>
+    <p:extLst>
+      <p:ext uri="{BB962C8B-B14F-4D97-AF65-F5344CB8AC3E}">
+        <p14:creationId xmlns:p14="http://schemas.microsoft.com/office/powerpoint/2010/main" val="1412290482"/>
+      </p:ext>
+    </p:extLst>
+  </p:cSld>
+  <p:clrMapOvr>
+    <a:masterClrMapping/>
+  </p:clrMapOvr>
+</p:sld>
+</file>
+
+<file path=ppt/slides/slide14.xml><?xml version="1.0" encoding="utf-8"?>
+<p:sld xmlns:a="http://schemas.openxmlformats.org/drawingml/2006/main" xmlns:r="http://schemas.openxmlformats.org/officeDocument/2006/relationships" xmlns:p="http://schemas.openxmlformats.org/presentationml/2006/main">
+  <p:cSld>
+    <p:spTree>
+      <p:nvGrpSpPr>
+        <p:cNvPr id="1" name=""/>
+        <p:cNvGrpSpPr/>
+        <p:nvPr/>
+      </p:nvGrpSpPr>
+      <p:grpSpPr>
+        <a:xfrm>
+          <a:off x="0" y="0"/>
+          <a:ext cx="0" cy="0"/>
+          <a:chOff x="0" y="0"/>
+          <a:chExt cx="0" cy="0"/>
+        </a:xfrm>
+      </p:grpSpPr>
+      <p:pic>
+        <p:nvPicPr>
+          <p:cNvPr id="4" name="図 3"/>
+          <p:cNvPicPr>
+            <a:picLocks noChangeAspect="1"/>
+          </p:cNvPicPr>
+          <p:nvPr/>
+        </p:nvPicPr>
+        <p:blipFill>
+          <a:blip r:embed="rId2"/>
+          <a:stretch>
+            <a:fillRect/>
+          </a:stretch>
+        </p:blipFill>
+        <p:spPr>
+          <a:xfrm>
+            <a:off x="-139917" y="-1166813"/>
+            <a:ext cx="12509031" cy="10034260"/>
+          </a:xfrm>
+          <a:prstGeom prst="rect">
+            <a:avLst/>
+          </a:prstGeom>
+        </p:spPr>
+      </p:pic>
+      <p:sp>
+        <p:nvSpPr>
+          <p:cNvPr id="5" name="角丸四角形 4"/>
+          <p:cNvSpPr/>
+          <p:nvPr/>
+        </p:nvSpPr>
+        <p:spPr>
+          <a:xfrm>
+            <a:off x="2317346" y="7629750"/>
+            <a:ext cx="1402037" cy="500995"/>
+          </a:xfrm>
+          <a:prstGeom prst="roundRect">
+            <a:avLst/>
+          </a:prstGeom>
+          <a:noFill/>
+          <a:ln w="76200" cmpd="sng">
+            <a:solidFill>
+              <a:srgbClr val="FF0000"/>
+            </a:solidFill>
+          </a:ln>
+        </p:spPr>
+        <p:style>
+          <a:lnRef idx="2">
+            <a:schemeClr val="accent1">
+              <a:shade val="50000"/>
+            </a:schemeClr>
+          </a:lnRef>
+          <a:fillRef idx="1">
+            <a:schemeClr val="accent1"/>
+          </a:fillRef>
+          <a:effectRef idx="0">
+            <a:schemeClr val="accent1"/>
+          </a:effectRef>
+          <a:fontRef idx="minor">
+            <a:schemeClr val="lt1"/>
+          </a:fontRef>
+        </p:style>
+        <p:txBody>
+          <a:bodyPr rtlCol="0" anchor="ctr"/>
+          <a:lstStyle/>
+          <a:p>
+            <a:pPr algn="ctr"/>
+            <a:endParaRPr kumimoji="1" lang="ja-JP" altLang="en-US"/>
+          </a:p>
+        </p:txBody>
+      </p:sp>
+    </p:spTree>
+    <p:extLst>
+      <p:ext uri="{BB962C8B-B14F-4D97-AF65-F5344CB8AC3E}">
+        <p14:creationId xmlns:p14="http://schemas.microsoft.com/office/powerpoint/2010/main" val="2999174442"/>
+      </p:ext>
+    </p:extLst>
+  </p:cSld>
+  <p:clrMapOvr>
+    <a:masterClrMapping/>
+  </p:clrMapOvr>
+</p:sld>
+</file>
+
+<file path=ppt/slides/slide15.xml><?xml version="1.0" encoding="utf-8"?>
+<p:sld xmlns:a="http://schemas.openxmlformats.org/drawingml/2006/main" xmlns:r="http://schemas.openxmlformats.org/officeDocument/2006/relationships" xmlns:p="http://schemas.openxmlformats.org/presentationml/2006/main">
+  <p:cSld>
+    <p:spTree>
+      <p:nvGrpSpPr>
+        <p:cNvPr id="1" name=""/>
+        <p:cNvGrpSpPr/>
+        <p:nvPr/>
+      </p:nvGrpSpPr>
+      <p:grpSpPr>
+        <a:xfrm>
+          <a:off x="0" y="0"/>
+          <a:ext cx="0" cy="0"/>
+          <a:chOff x="0" y="0"/>
+          <a:chExt cx="0" cy="0"/>
+        </a:xfrm>
+      </p:grpSpPr>
+      <p:pic>
+        <p:nvPicPr>
+          <p:cNvPr id="4" name="図 3"/>
+          <p:cNvPicPr>
+            <a:picLocks noChangeAspect="1"/>
+          </p:cNvPicPr>
+          <p:nvPr/>
+        </p:nvPicPr>
+        <p:blipFill>
+          <a:blip r:embed="rId2"/>
+          <a:stretch>
+            <a:fillRect/>
+          </a:stretch>
+        </p:blipFill>
+        <p:spPr>
+          <a:xfrm>
+            <a:off x="0" y="-1119188"/>
+            <a:ext cx="12192000" cy="9096375"/>
+          </a:xfrm>
+          <a:prstGeom prst="rect">
+            <a:avLst/>
+          </a:prstGeom>
+        </p:spPr>
+      </p:pic>
+      <p:sp>
+        <p:nvSpPr>
+          <p:cNvPr id="5" name="角丸四角形 4"/>
+          <p:cNvSpPr/>
+          <p:nvPr/>
+        </p:nvSpPr>
+        <p:spPr>
+          <a:xfrm>
+            <a:off x="2379130" y="6727706"/>
+            <a:ext cx="1031335" cy="500995"/>
+          </a:xfrm>
+          <a:prstGeom prst="roundRect">
+            <a:avLst/>
+          </a:prstGeom>
+          <a:noFill/>
+          <a:ln w="76200" cmpd="sng">
+            <a:solidFill>
+              <a:srgbClr val="FF0000"/>
+            </a:solidFill>
+          </a:ln>
+        </p:spPr>
+        <p:style>
+          <a:lnRef idx="2">
+            <a:schemeClr val="accent1">
+              <a:shade val="50000"/>
+            </a:schemeClr>
+          </a:lnRef>
+          <a:fillRef idx="1">
+            <a:schemeClr val="accent1"/>
+          </a:fillRef>
+          <a:effectRef idx="0">
+            <a:schemeClr val="accent1"/>
+          </a:effectRef>
+          <a:fontRef idx="minor">
+            <a:schemeClr val="lt1"/>
+          </a:fontRef>
+        </p:style>
+        <p:txBody>
+          <a:bodyPr rtlCol="0" anchor="ctr"/>
+          <a:lstStyle/>
+          <a:p>
+            <a:pPr algn="ctr"/>
+            <a:endParaRPr kumimoji="1" lang="ja-JP" altLang="en-US"/>
+          </a:p>
+        </p:txBody>
+      </p:sp>
+    </p:spTree>
+    <p:extLst>
+      <p:ext uri="{BB962C8B-B14F-4D97-AF65-F5344CB8AC3E}">
+        <p14:creationId xmlns:p14="http://schemas.microsoft.com/office/powerpoint/2010/main" val="1539934867"/>
+      </p:ext>
+    </p:extLst>
+  </p:cSld>
+  <p:clrMapOvr>
+    <a:masterClrMapping/>
+  </p:clrMapOvr>
+</p:sld>
+</file>
+
 <file path=ppt/slides/slide2.xml><?xml version="1.0" encoding="utf-8"?>
 <p:sld xmlns:a="http://schemas.openxmlformats.org/drawingml/2006/main" xmlns:r="http://schemas.openxmlformats.org/officeDocument/2006/relationships" xmlns:p="http://schemas.openxmlformats.org/presentationml/2006/main">
   <p:cSld>
